--- a/Web Scraping Using Java.pptx
+++ b/Web Scraping Using Java.pptx
@@ -262,7 +262,7 @@
           <a:p>
             <a:fld id="{38BC572D-1C25-4CA9-9D7C-82853B58C98C}" type="datetimeFigureOut">
               <a:rPr lang="en-US" smtClean="0"/>
-              <a:t>4/5/2021</a:t>
+              <a:t>12/31/2021</a:t>
             </a:fld>
             <a:endParaRPr lang="en-US"/>
           </a:p>
@@ -460,7 +460,7 @@
           <a:p>
             <a:fld id="{38BC572D-1C25-4CA9-9D7C-82853B58C98C}" type="datetimeFigureOut">
               <a:rPr lang="en-US" smtClean="0"/>
-              <a:t>4/5/2021</a:t>
+              <a:t>12/31/2021</a:t>
             </a:fld>
             <a:endParaRPr lang="en-US"/>
           </a:p>
@@ -668,7 +668,7 @@
           <a:p>
             <a:fld id="{38BC572D-1C25-4CA9-9D7C-82853B58C98C}" type="datetimeFigureOut">
               <a:rPr lang="en-US" smtClean="0"/>
-              <a:t>4/5/2021</a:t>
+              <a:t>12/31/2021</a:t>
             </a:fld>
             <a:endParaRPr lang="en-US"/>
           </a:p>
@@ -866,7 +866,7 @@
           <a:p>
             <a:fld id="{38BC572D-1C25-4CA9-9D7C-82853B58C98C}" type="datetimeFigureOut">
               <a:rPr lang="en-US" smtClean="0"/>
-              <a:t>4/5/2021</a:t>
+              <a:t>12/31/2021</a:t>
             </a:fld>
             <a:endParaRPr lang="en-US"/>
           </a:p>
@@ -1141,7 +1141,7 @@
           <a:p>
             <a:fld id="{38BC572D-1C25-4CA9-9D7C-82853B58C98C}" type="datetimeFigureOut">
               <a:rPr lang="en-US" smtClean="0"/>
-              <a:t>4/5/2021</a:t>
+              <a:t>12/31/2021</a:t>
             </a:fld>
             <a:endParaRPr lang="en-US"/>
           </a:p>
@@ -1406,7 +1406,7 @@
           <a:p>
             <a:fld id="{38BC572D-1C25-4CA9-9D7C-82853B58C98C}" type="datetimeFigureOut">
               <a:rPr lang="en-US" smtClean="0"/>
-              <a:t>4/5/2021</a:t>
+              <a:t>12/31/2021</a:t>
             </a:fld>
             <a:endParaRPr lang="en-US"/>
           </a:p>
@@ -1818,7 +1818,7 @@
           <a:p>
             <a:fld id="{38BC572D-1C25-4CA9-9D7C-82853B58C98C}" type="datetimeFigureOut">
               <a:rPr lang="en-US" smtClean="0"/>
-              <a:t>4/5/2021</a:t>
+              <a:t>12/31/2021</a:t>
             </a:fld>
             <a:endParaRPr lang="en-US"/>
           </a:p>
@@ -1959,7 +1959,7 @@
           <a:p>
             <a:fld id="{38BC572D-1C25-4CA9-9D7C-82853B58C98C}" type="datetimeFigureOut">
               <a:rPr lang="en-US" smtClean="0"/>
-              <a:t>4/5/2021</a:t>
+              <a:t>12/31/2021</a:t>
             </a:fld>
             <a:endParaRPr lang="en-US"/>
           </a:p>
@@ -2072,7 +2072,7 @@
           <a:p>
             <a:fld id="{38BC572D-1C25-4CA9-9D7C-82853B58C98C}" type="datetimeFigureOut">
               <a:rPr lang="en-US" smtClean="0"/>
-              <a:t>4/5/2021</a:t>
+              <a:t>12/31/2021</a:t>
             </a:fld>
             <a:endParaRPr lang="en-US"/>
           </a:p>
@@ -2383,7 +2383,7 @@
           <a:p>
             <a:fld id="{38BC572D-1C25-4CA9-9D7C-82853B58C98C}" type="datetimeFigureOut">
               <a:rPr lang="en-US" smtClean="0"/>
-              <a:t>4/5/2021</a:t>
+              <a:t>12/31/2021</a:t>
             </a:fld>
             <a:endParaRPr lang="en-US"/>
           </a:p>
@@ -2671,7 +2671,7 @@
           <a:p>
             <a:fld id="{38BC572D-1C25-4CA9-9D7C-82853B58C98C}" type="datetimeFigureOut">
               <a:rPr lang="en-US" smtClean="0"/>
-              <a:t>4/5/2021</a:t>
+              <a:t>12/31/2021</a:t>
             </a:fld>
             <a:endParaRPr lang="en-US"/>
           </a:p>
@@ -2912,7 +2912,7 @@
           <a:p>
             <a:fld id="{38BC572D-1C25-4CA9-9D7C-82853B58C98C}" type="datetimeFigureOut">
               <a:rPr lang="en-US" smtClean="0"/>
-              <a:t>4/5/2021</a:t>
+              <a:t>12/31/2021</a:t>
             </a:fld>
             <a:endParaRPr lang="en-US"/>
           </a:p>
@@ -4753,7 +4753,27 @@
                   </a:schemeClr>
                 </a:solidFill>
               </a:rPr>
-              <a:t>Data displayed by most websites can only be viewed using a web browser. They do not offer the functionality to save a copy of this data for personal use. The only option then is to manually copy and paste the data - a very tedious job which can take many hours or sometimes days to complete.  Web Scarfing is the technique of automating this process, so that instead of manually copying the data from websites, the  Web Scarfing Java Code will perform the same task within a fraction of the time.</a:t>
+              <a:t>Data displayed by </a:t>
+            </a:r>
+            <a:r>
+              <a:rPr lang="en-US" sz="2000" b="1" dirty="0">
+                <a:solidFill>
+                  <a:schemeClr val="tx1">
+                    <a:alpha val="80000"/>
+                  </a:schemeClr>
+                </a:solidFill>
+              </a:rPr>
+              <a:t>most websites </a:t>
+            </a:r>
+            <a:r>
+              <a:rPr lang="en-US" sz="2000" dirty="0">
+                <a:solidFill>
+                  <a:schemeClr val="tx1">
+                    <a:alpha val="80000"/>
+                  </a:schemeClr>
+                </a:solidFill>
+              </a:rPr>
+              <a:t>can only be viewed using a web browser. They do not offer the functionality to save a copy of this data for personal use. The only option then is to manually copy and paste the data - a very tedious job which can take many hours or sometimes days to complete.  Web Scarfing is the technique of automating this process, so that instead of manually copying the data from websites, the  Web Scarfing Java Code will perform the same task within a fraction of the time.</a:t>
             </a:r>
           </a:p>
         </p:txBody>
